--- a/Web_Scraping_with_Python.pptx
+++ b/Web_Scraping_with_Python.pptx
@@ -16,6 +16,7 @@
     <p:sldId id="265" r:id="rId10"/>
     <p:sldId id="266" r:id="rId11"/>
     <p:sldId id="267" r:id="rId12"/>
+    <p:sldId id="268" r:id="rId13"/>
   </p:sldIdLst>
   <p:sldSz cx="12192000" cy="6858000"/>
   <p:notesSz cx="6858000" cy="9144000"/>
@@ -114,15 +115,40 @@
       </a:defRPr>
     </a:lvl9pPr>
   </p:defaultTextStyle>
+  <p:extLst>
+    <p:ext uri="{EFAFB233-063F-42B5-8137-9DF3F51BA10A}">
+      <p15:sldGuideLst xmlns:p15="http://schemas.microsoft.com/office/powerpoint/2012/main"/>
+    </p:ext>
+  </p:extLst>
 </p:presentation>
+</file>
+
+<file path=ppt/commentAuthors.xml><?xml version="1.0" encoding="utf-8"?>
+<p:cmAuthorLst xmlns:a="http://schemas.openxmlformats.org/drawingml/2006/main" xmlns:r="http://schemas.openxmlformats.org/officeDocument/2006/relationships" xmlns:p="http://schemas.openxmlformats.org/presentationml/2006/main">
+  <p:cmAuthor id="1" name="val fera" initials="vf" lastIdx="2" clrIdx="0">
+    <p:extLst>
+      <p:ext uri="{19B8F6BF-5375-455C-9EA6-DF929625EA0E}">
+        <p15:presenceInfo xmlns:p15="http://schemas.microsoft.com/office/powerpoint/2012/main" userId="b3b328e4f89be76e" providerId="Windows Live"/>
+      </p:ext>
+    </p:extLst>
+  </p:cmAuthor>
+</p:cmAuthorLst>
+</file>
+
+<file path=ppt/revisionInfo.xml><?xml version="1.0" encoding="utf-8"?>
+<p1510:revInfo xmlns:a="http://schemas.openxmlformats.org/drawingml/2006/main" xmlns:r="http://schemas.openxmlformats.org/officeDocument/2006/relationships" xmlns:p1510="http://schemas.microsoft.com/office/powerpoint/2015/10/main">
+  <p1510:revLst>
+    <p1510:client id="{BA0935C0-DE4A-4B83-BD6A-398CE828A0EE}" v="13" dt="2019-05-08T16:59:37.139"/>
+  </p1510:revLst>
+</p1510:revInfo>
 </file>
 
 <file path=ppt/changesInfos/changesInfo1.xml><?xml version="1.0" encoding="utf-8"?>
 <pc:chgInfo xmlns:a="http://schemas.openxmlformats.org/drawingml/2006/main" xmlns:r="http://schemas.openxmlformats.org/officeDocument/2006/relationships" xmlns:ac="http://schemas.microsoft.com/office/drawing/2013/main/command" xmlns:pc="http://schemas.microsoft.com/office/powerpoint/2013/main/command">
   <pc:docChgLst>
     <pc:chgData name="val fera" userId="b3b328e4f89be76e" providerId="LiveId" clId="{BA0935C0-DE4A-4B83-BD6A-398CE828A0EE}"/>
-    <pc:docChg chg="undo custSel mod modSld">
-      <pc:chgData name="val fera" userId="b3b328e4f89be76e" providerId="LiveId" clId="{BA0935C0-DE4A-4B83-BD6A-398CE828A0EE}" dt="2019-05-08T05:17:56.078" v="8" actId="26606"/>
+    <pc:docChg chg="undo custSel mod addSld delSld modSld">
+      <pc:chgData name="val fera" userId="b3b328e4f89be76e" providerId="LiveId" clId="{BA0935C0-DE4A-4B83-BD6A-398CE828A0EE}" dt="2019-05-08T17:03:08.394" v="447" actId="14100"/>
       <pc:docMkLst>
         <pc:docMk/>
       </pc:docMkLst>
@@ -198,7 +224,7 @@
         </pc:cxnChg>
       </pc:sldChg>
       <pc:sldChg chg="addSp delSp modSp mod setBg">
-        <pc:chgData name="val fera" userId="b3b328e4f89be76e" providerId="LiveId" clId="{BA0935C0-DE4A-4B83-BD6A-398CE828A0EE}" dt="2019-05-08T05:17:39.294" v="7" actId="26606"/>
+        <pc:chgData name="val fera" userId="b3b328e4f89be76e" providerId="LiveId" clId="{BA0935C0-DE4A-4B83-BD6A-398CE828A0EE}" dt="2019-05-08T16:26:03.102" v="25" actId="20577"/>
         <pc:sldMkLst>
           <pc:docMk/>
           <pc:sldMk cId="1493939148" sldId="257"/>
@@ -283,8 +309,8 @@
             <ac:spMk id="21" creationId="{8D70B121-56F4-4848-B38B-182089D909FA}"/>
           </ac:spMkLst>
         </pc:spChg>
-        <pc:spChg chg="add">
-          <ac:chgData name="val fera" userId="b3b328e4f89be76e" providerId="LiveId" clId="{BA0935C0-DE4A-4B83-BD6A-398CE828A0EE}" dt="2019-05-08T05:17:39.294" v="7" actId="26606"/>
+        <pc:spChg chg="add mod">
+          <ac:chgData name="val fera" userId="b3b328e4f89be76e" providerId="LiveId" clId="{BA0935C0-DE4A-4B83-BD6A-398CE828A0EE}" dt="2019-05-08T16:26:03.102" v="25" actId="20577"/>
           <ac:spMkLst>
             <pc:docMk/>
             <pc:sldMk cId="1493939148" sldId="257"/>
@@ -325,7 +351,7 @@
         </pc:cxnChg>
       </pc:sldChg>
       <pc:sldChg chg="addSp modSp mod setBg">
-        <pc:chgData name="val fera" userId="b3b328e4f89be76e" providerId="LiveId" clId="{BA0935C0-DE4A-4B83-BD6A-398CE828A0EE}" dt="2019-05-08T05:17:56.078" v="8" actId="26606"/>
+        <pc:chgData name="val fera" userId="b3b328e4f89be76e" providerId="LiveId" clId="{BA0935C0-DE4A-4B83-BD6A-398CE828A0EE}" dt="2019-05-08T16:37:54.525" v="29" actId="14100"/>
         <pc:sldMkLst>
           <pc:docMk/>
           <pc:sldMk cId="1216433319" sldId="258"/>
@@ -347,7 +373,7 @@
           </ac:spMkLst>
         </pc:spChg>
         <pc:picChg chg="mod">
-          <ac:chgData name="val fera" userId="b3b328e4f89be76e" providerId="LiveId" clId="{BA0935C0-DE4A-4B83-BD6A-398CE828A0EE}" dt="2019-05-08T05:17:56.078" v="8" actId="26606"/>
+          <ac:chgData name="val fera" userId="b3b328e4f89be76e" providerId="LiveId" clId="{BA0935C0-DE4A-4B83-BD6A-398CE828A0EE}" dt="2019-05-08T16:37:48.346" v="28" actId="14100"/>
           <ac:picMkLst>
             <pc:docMk/>
             <pc:sldMk cId="1216433319" sldId="258"/>
@@ -355,7 +381,7 @@
           </ac:picMkLst>
         </pc:picChg>
         <pc:picChg chg="mod">
-          <ac:chgData name="val fera" userId="b3b328e4f89be76e" providerId="LiveId" clId="{BA0935C0-DE4A-4B83-BD6A-398CE828A0EE}" dt="2019-05-08T05:17:56.078" v="8" actId="26606"/>
+          <ac:chgData name="val fera" userId="b3b328e4f89be76e" providerId="LiveId" clId="{BA0935C0-DE4A-4B83-BD6A-398CE828A0EE}" dt="2019-05-08T16:37:54.525" v="29" actId="14100"/>
           <ac:picMkLst>
             <pc:docMk/>
             <pc:sldMk cId="1216433319" sldId="258"/>
@@ -378,6 +404,175 @@
             <ac:cxnSpMk id="16" creationId="{DB146403-F3D6-484B-B2ED-97F9565D0370}"/>
           </ac:cxnSpMkLst>
         </pc:cxnChg>
+      </pc:sldChg>
+      <pc:sldChg chg="modSp">
+        <pc:chgData name="val fera" userId="b3b328e4f89be76e" providerId="LiveId" clId="{BA0935C0-DE4A-4B83-BD6A-398CE828A0EE}" dt="2019-05-08T16:49:13.036" v="303" actId="1076"/>
+        <pc:sldMkLst>
+          <pc:docMk/>
+          <pc:sldMk cId="2644491099" sldId="267"/>
+        </pc:sldMkLst>
+        <pc:spChg chg="mod">
+          <ac:chgData name="val fera" userId="b3b328e4f89be76e" providerId="LiveId" clId="{BA0935C0-DE4A-4B83-BD6A-398CE828A0EE}" dt="2019-05-08T16:49:07.761" v="302" actId="255"/>
+          <ac:spMkLst>
+            <pc:docMk/>
+            <pc:sldMk cId="2644491099" sldId="267"/>
+            <ac:spMk id="2" creationId="{62988219-F05A-4CB6-9896-3A2CCFB89262}"/>
+          </ac:spMkLst>
+        </pc:spChg>
+        <pc:picChg chg="mod">
+          <ac:chgData name="val fera" userId="b3b328e4f89be76e" providerId="LiveId" clId="{BA0935C0-DE4A-4B83-BD6A-398CE828A0EE}" dt="2019-05-08T16:49:13.036" v="303" actId="1076"/>
+          <ac:picMkLst>
+            <pc:docMk/>
+            <pc:sldMk cId="2644491099" sldId="267"/>
+            <ac:picMk id="4" creationId="{BBE9BC2E-8069-4B01-81A5-C4677A814438}"/>
+          </ac:picMkLst>
+        </pc:picChg>
+      </pc:sldChg>
+      <pc:sldChg chg="add del">
+        <pc:chgData name="val fera" userId="b3b328e4f89be76e" providerId="LiveId" clId="{BA0935C0-DE4A-4B83-BD6A-398CE828A0EE}" dt="2019-05-08T16:50:13.349" v="304" actId="2696"/>
+        <pc:sldMkLst>
+          <pc:docMk/>
+          <pc:sldMk cId="2029698012" sldId="268"/>
+        </pc:sldMkLst>
+      </pc:sldChg>
+      <pc:sldChg chg="add del">
+        <pc:chgData name="val fera" userId="b3b328e4f89be76e" providerId="LiveId" clId="{BA0935C0-DE4A-4B83-BD6A-398CE828A0EE}" dt="2019-05-08T16:47:01.155" v="290" actId="2696"/>
+        <pc:sldMkLst>
+          <pc:docMk/>
+          <pc:sldMk cId="2771664978" sldId="268"/>
+        </pc:sldMkLst>
+      </pc:sldChg>
+      <pc:sldChg chg="addSp delSp modSp add">
+        <pc:chgData name="val fera" userId="b3b328e4f89be76e" providerId="LiveId" clId="{BA0935C0-DE4A-4B83-BD6A-398CE828A0EE}" dt="2019-05-08T17:03:08.394" v="447" actId="14100"/>
+        <pc:sldMkLst>
+          <pc:docMk/>
+          <pc:sldMk cId="2802300090" sldId="268"/>
+        </pc:sldMkLst>
+        <pc:spChg chg="mod">
+          <ac:chgData name="val fera" userId="b3b328e4f89be76e" providerId="LiveId" clId="{BA0935C0-DE4A-4B83-BD6A-398CE828A0EE}" dt="2019-05-08T16:59:57.639" v="438" actId="20577"/>
+          <ac:spMkLst>
+            <pc:docMk/>
+            <pc:sldMk cId="2802300090" sldId="268"/>
+            <ac:spMk id="2" creationId="{F235205B-0225-4423-88AF-DA1620D6E9F7}"/>
+          </ac:spMkLst>
+        </pc:spChg>
+        <pc:spChg chg="mod">
+          <ac:chgData name="val fera" userId="b3b328e4f89be76e" providerId="LiveId" clId="{BA0935C0-DE4A-4B83-BD6A-398CE828A0EE}" dt="2019-05-08T16:59:13.344" v="406" actId="20577"/>
+          <ac:spMkLst>
+            <pc:docMk/>
+            <pc:sldMk cId="2802300090" sldId="268"/>
+            <ac:spMk id="3" creationId="{A5B54948-0BC2-4E73-AC3E-42C9DEA0BAA3}"/>
+          </ac:spMkLst>
+        </pc:spChg>
+        <pc:spChg chg="del">
+          <ac:chgData name="val fera" userId="b3b328e4f89be76e" providerId="LiveId" clId="{BA0935C0-DE4A-4B83-BD6A-398CE828A0EE}" dt="2019-05-08T16:59:33.437" v="413"/>
+          <ac:spMkLst>
+            <pc:docMk/>
+            <pc:sldMk cId="2802300090" sldId="268"/>
+            <ac:spMk id="4" creationId="{E9585396-9598-4456-85CA-673D654FADBC}"/>
+          </ac:spMkLst>
+        </pc:spChg>
+        <pc:spChg chg="mod">
+          <ac:chgData name="val fera" userId="b3b328e4f89be76e" providerId="LiveId" clId="{BA0935C0-DE4A-4B83-BD6A-398CE828A0EE}" dt="2019-05-08T16:59:20.638" v="412" actId="20577"/>
+          <ac:spMkLst>
+            <pc:docMk/>
+            <pc:sldMk cId="2802300090" sldId="268"/>
+            <ac:spMk id="5" creationId="{8FB0CB89-C4C0-4E8F-944D-D8FC68D68BF1}"/>
+          </ac:spMkLst>
+        </pc:spChg>
+        <pc:spChg chg="del">
+          <ac:chgData name="val fera" userId="b3b328e4f89be76e" providerId="LiveId" clId="{BA0935C0-DE4A-4B83-BD6A-398CE828A0EE}" dt="2019-05-08T16:59:37.139" v="414"/>
+          <ac:spMkLst>
+            <pc:docMk/>
+            <pc:sldMk cId="2802300090" sldId="268"/>
+            <ac:spMk id="6" creationId="{10F96978-073D-4585-ABB2-ED036C414724}"/>
+          </ac:spMkLst>
+        </pc:spChg>
+        <pc:picChg chg="add mod">
+          <ac:chgData name="val fera" userId="b3b328e4f89be76e" providerId="LiveId" clId="{BA0935C0-DE4A-4B83-BD6A-398CE828A0EE}" dt="2019-05-08T17:02:57.572" v="445" actId="14100"/>
+          <ac:picMkLst>
+            <pc:docMk/>
+            <pc:sldMk cId="2802300090" sldId="268"/>
+            <ac:picMk id="8" creationId="{786478D8-09C1-475E-8D57-2EF431F3CBEB}"/>
+          </ac:picMkLst>
+        </pc:picChg>
+        <pc:picChg chg="add mod">
+          <ac:chgData name="val fera" userId="b3b328e4f89be76e" providerId="LiveId" clId="{BA0935C0-DE4A-4B83-BD6A-398CE828A0EE}" dt="2019-05-08T17:03:08.394" v="447" actId="14100"/>
+          <ac:picMkLst>
+            <pc:docMk/>
+            <pc:sldMk cId="2802300090" sldId="268"/>
+            <ac:picMk id="10" creationId="{78D135CA-1156-487B-8D0E-F734D2CDC36C}"/>
+          </ac:picMkLst>
+        </pc:picChg>
+      </pc:sldChg>
+      <pc:sldChg chg="addSp delSp modSp add del addCm">
+        <pc:chgData name="val fera" userId="b3b328e4f89be76e" providerId="LiveId" clId="{BA0935C0-DE4A-4B83-BD6A-398CE828A0EE}" dt="2019-05-08T16:57:45.798" v="384" actId="2696"/>
+        <pc:sldMkLst>
+          <pc:docMk/>
+          <pc:sldMk cId="3696389570" sldId="268"/>
+        </pc:sldMkLst>
+        <pc:spChg chg="mod">
+          <ac:chgData name="val fera" userId="b3b328e4f89be76e" providerId="LiveId" clId="{BA0935C0-DE4A-4B83-BD6A-398CE828A0EE}" dt="2019-05-08T16:57:25.484" v="382" actId="20577"/>
+          <ac:spMkLst>
+            <pc:docMk/>
+            <pc:sldMk cId="3696389570" sldId="268"/>
+            <ac:spMk id="2" creationId="{099FE25A-802E-4051-9E56-B2B6E86D0415}"/>
+          </ac:spMkLst>
+        </pc:spChg>
+        <pc:spChg chg="del">
+          <ac:chgData name="val fera" userId="b3b328e4f89be76e" providerId="LiveId" clId="{BA0935C0-DE4A-4B83-BD6A-398CE828A0EE}" dt="2019-05-08T16:55:01.319" v="306"/>
+          <ac:spMkLst>
+            <pc:docMk/>
+            <pc:sldMk cId="3696389570" sldId="268"/>
+            <ac:spMk id="3" creationId="{09C7A87F-B5CC-4026-A932-4E506F9D6BFA}"/>
+          </ac:spMkLst>
+        </pc:spChg>
+        <pc:picChg chg="add mod">
+          <ac:chgData name="val fera" userId="b3b328e4f89be76e" providerId="LiveId" clId="{BA0935C0-DE4A-4B83-BD6A-398CE828A0EE}" dt="2019-05-08T16:56:32.505" v="311" actId="14100"/>
+          <ac:picMkLst>
+            <pc:docMk/>
+            <pc:sldMk cId="3696389570" sldId="268"/>
+            <ac:picMk id="5" creationId="{C289E805-F9CB-4C29-A64A-B106F4B4F44E}"/>
+          </ac:picMkLst>
+        </pc:picChg>
+        <pc:picChg chg="add mod">
+          <ac:chgData name="val fera" userId="b3b328e4f89be76e" providerId="LiveId" clId="{BA0935C0-DE4A-4B83-BD6A-398CE828A0EE}" dt="2019-05-08T16:56:38.846" v="312" actId="14100"/>
+          <ac:picMkLst>
+            <pc:docMk/>
+            <pc:sldMk cId="3696389570" sldId="268"/>
+            <ac:picMk id="7" creationId="{C3118E46-1A06-441C-B317-9FCAA24E5AB9}"/>
+          </ac:picMkLst>
+        </pc:picChg>
+      </pc:sldChg>
+      <pc:sldChg chg="addSp modSp add del addCm modCm">
+        <pc:chgData name="val fera" userId="b3b328e4f89be76e" providerId="LiveId" clId="{BA0935C0-DE4A-4B83-BD6A-398CE828A0EE}" dt="2019-05-08T16:58:43.558" v="396" actId="2696"/>
+        <pc:sldMkLst>
+          <pc:docMk/>
+          <pc:sldMk cId="3795339201" sldId="268"/>
+        </pc:sldMkLst>
+        <pc:picChg chg="add mod">
+          <ac:chgData name="val fera" userId="b3b328e4f89be76e" providerId="LiveId" clId="{BA0935C0-DE4A-4B83-BD6A-398CE828A0EE}" dt="2019-05-08T16:58:03.871" v="389" actId="1076"/>
+          <ac:picMkLst>
+            <pc:docMk/>
+            <pc:sldMk cId="3795339201" sldId="268"/>
+            <ac:picMk id="3" creationId="{3C228130-C5D1-449F-A07C-BB4459A61B63}"/>
+          </ac:picMkLst>
+        </pc:picChg>
+        <pc:picChg chg="add mod">
+          <ac:chgData name="val fera" userId="b3b328e4f89be76e" providerId="LiveId" clId="{BA0935C0-DE4A-4B83-BD6A-398CE828A0EE}" dt="2019-05-08T16:58:17.390" v="393" actId="1076"/>
+          <ac:picMkLst>
+            <pc:docMk/>
+            <pc:sldMk cId="3795339201" sldId="268"/>
+            <ac:picMk id="5" creationId="{764A3357-DFA5-44C5-9014-DCBA270DEFF8}"/>
+          </ac:picMkLst>
+        </pc:picChg>
+      </pc:sldChg>
+      <pc:sldChg chg="add del">
+        <pc:chgData name="val fera" userId="b3b328e4f89be76e" providerId="LiveId" clId="{BA0935C0-DE4A-4B83-BD6A-398CE828A0EE}" dt="2019-05-08T16:59:01.765" v="398" actId="2696"/>
+        <pc:sldMkLst>
+          <pc:docMk/>
+          <pc:sldMk cId="3886571180" sldId="268"/>
+        </pc:sldMkLst>
       </pc:sldChg>
     </pc:docChg>
   </pc:docChgLst>
@@ -531,7 +726,7 @@
           <a:p>
             <a:fld id="{549C830A-1791-4B60-9819-F15BD7485D4C}" type="datetimeFigureOut">
               <a:rPr lang="en-US" smtClean="0"/>
-              <a:t>5/7/2019</a:t>
+              <a:t>5/8/2019</a:t>
             </a:fld>
             <a:endParaRPr lang="en-US"/>
           </a:p>
@@ -729,7 +924,7 @@
           <a:p>
             <a:fld id="{549C830A-1791-4B60-9819-F15BD7485D4C}" type="datetimeFigureOut">
               <a:rPr lang="en-US" smtClean="0"/>
-              <a:t>5/7/2019</a:t>
+              <a:t>5/8/2019</a:t>
             </a:fld>
             <a:endParaRPr lang="en-US"/>
           </a:p>
@@ -937,7 +1132,7 @@
           <a:p>
             <a:fld id="{549C830A-1791-4B60-9819-F15BD7485D4C}" type="datetimeFigureOut">
               <a:rPr lang="en-US" smtClean="0"/>
-              <a:t>5/7/2019</a:t>
+              <a:t>5/8/2019</a:t>
             </a:fld>
             <a:endParaRPr lang="en-US"/>
           </a:p>
@@ -1135,7 +1330,7 @@
           <a:p>
             <a:fld id="{549C830A-1791-4B60-9819-F15BD7485D4C}" type="datetimeFigureOut">
               <a:rPr lang="en-US" smtClean="0"/>
-              <a:t>5/7/2019</a:t>
+              <a:t>5/8/2019</a:t>
             </a:fld>
             <a:endParaRPr lang="en-US"/>
           </a:p>
@@ -1410,7 +1605,7 @@
           <a:p>
             <a:fld id="{549C830A-1791-4B60-9819-F15BD7485D4C}" type="datetimeFigureOut">
               <a:rPr lang="en-US" smtClean="0"/>
-              <a:t>5/7/2019</a:t>
+              <a:t>5/8/2019</a:t>
             </a:fld>
             <a:endParaRPr lang="en-US"/>
           </a:p>
@@ -1675,7 +1870,7 @@
           <a:p>
             <a:fld id="{549C830A-1791-4B60-9819-F15BD7485D4C}" type="datetimeFigureOut">
               <a:rPr lang="en-US" smtClean="0"/>
-              <a:t>5/7/2019</a:t>
+              <a:t>5/8/2019</a:t>
             </a:fld>
             <a:endParaRPr lang="en-US"/>
           </a:p>
@@ -2087,7 +2282,7 @@
           <a:p>
             <a:fld id="{549C830A-1791-4B60-9819-F15BD7485D4C}" type="datetimeFigureOut">
               <a:rPr lang="en-US" smtClean="0"/>
-              <a:t>5/7/2019</a:t>
+              <a:t>5/8/2019</a:t>
             </a:fld>
             <a:endParaRPr lang="en-US"/>
           </a:p>
@@ -2228,7 +2423,7 @@
           <a:p>
             <a:fld id="{549C830A-1791-4B60-9819-F15BD7485D4C}" type="datetimeFigureOut">
               <a:rPr lang="en-US" smtClean="0"/>
-              <a:t>5/7/2019</a:t>
+              <a:t>5/8/2019</a:t>
             </a:fld>
             <a:endParaRPr lang="en-US"/>
           </a:p>
@@ -2341,7 +2536,7 @@
           <a:p>
             <a:fld id="{549C830A-1791-4B60-9819-F15BD7485D4C}" type="datetimeFigureOut">
               <a:rPr lang="en-US" smtClean="0"/>
-              <a:t>5/7/2019</a:t>
+              <a:t>5/8/2019</a:t>
             </a:fld>
             <a:endParaRPr lang="en-US"/>
           </a:p>
@@ -2652,7 +2847,7 @@
           <a:p>
             <a:fld id="{549C830A-1791-4B60-9819-F15BD7485D4C}" type="datetimeFigureOut">
               <a:rPr lang="en-US" smtClean="0"/>
-              <a:t>5/7/2019</a:t>
+              <a:t>5/8/2019</a:t>
             </a:fld>
             <a:endParaRPr lang="en-US"/>
           </a:p>
@@ -2940,7 +3135,7 @@
           <a:p>
             <a:fld id="{549C830A-1791-4B60-9819-F15BD7485D4C}" type="datetimeFigureOut">
               <a:rPr lang="en-US" smtClean="0"/>
-              <a:t>5/7/2019</a:t>
+              <a:t>5/8/2019</a:t>
             </a:fld>
             <a:endParaRPr lang="en-US"/>
           </a:p>
@@ -3181,7 +3376,7 @@
           <a:p>
             <a:fld id="{549C830A-1791-4B60-9819-F15BD7485D4C}" type="datetimeFigureOut">
               <a:rPr lang="en-US" smtClean="0"/>
-              <a:t>5/7/2019</a:t>
+              <a:t>5/8/2019</a:t>
             </a:fld>
             <a:endParaRPr lang="en-US"/>
           </a:p>
@@ -4472,15 +4667,29 @@
             <p:ph type="title"/>
           </p:nvPr>
         </p:nvSpPr>
-        <p:spPr/>
-        <p:txBody>
-          <a:bodyPr/>
-          <a:lstStyle/>
-          <a:p>
-            <a:r>
+        <p:spPr>
+          <a:xfrm>
+            <a:off x="838200" y="565483"/>
+            <a:ext cx="10515600" cy="2972019"/>
+          </a:xfrm>
+        </p:spPr>
+        <p:txBody>
+          <a:bodyPr>
+            <a:normAutofit fontScale="90000"/>
+          </a:bodyPr>
+          <a:lstStyle/>
+          <a:p>
+            <a:r>
+              <a:rPr lang="en-US" sz="3100" dirty="0"/>
+              <a:t>We can conclude that there is a somewhat strong relationship between market capitalization and profits.  This relationship is particularly strong for companies in the top 100 with respect to assets.</a:t>
+            </a:r>
+            <a:br>
               <a:rPr lang="en-US" dirty="0"/>
-              <a:t>Conclusion</a:t>
-            </a:r>
+            </a:br>
+            <a:br>
+              <a:rPr lang="en-US" dirty="0"/>
+            </a:br>
+            <a:endParaRPr lang="en-US" dirty="0"/>
           </a:p>
         </p:txBody>
       </p:sp>
@@ -4512,7 +4721,7 @@
         </p:blipFill>
         <p:spPr>
           <a:xfrm>
-            <a:off x="1309341" y="2177935"/>
+            <a:off x="1501846" y="2695294"/>
             <a:ext cx="8664547" cy="2837064"/>
           </a:xfrm>
           <a:prstGeom prst="rect">
@@ -4524,6 +4733,190 @@
     <p:extLst>
       <p:ext uri="{BB962C8B-B14F-4D97-AF65-F5344CB8AC3E}">
         <p14:creationId xmlns:p14="http://schemas.microsoft.com/office/powerpoint/2010/main" val="2644491099"/>
+      </p:ext>
+    </p:extLst>
+  </p:cSld>
+  <p:clrMapOvr>
+    <a:masterClrMapping/>
+  </p:clrMapOvr>
+</p:sld>
+</file>
+
+<file path=ppt/slides/slide12.xml><?xml version="1.0" encoding="utf-8"?>
+<p:sld xmlns:a="http://schemas.openxmlformats.org/drawingml/2006/main" xmlns:r="http://schemas.openxmlformats.org/officeDocument/2006/relationships" xmlns:p="http://schemas.openxmlformats.org/presentationml/2006/main">
+  <p:cSld>
+    <p:spTree>
+      <p:nvGrpSpPr>
+        <p:cNvPr id="1" name=""/>
+        <p:cNvGrpSpPr/>
+        <p:nvPr/>
+      </p:nvGrpSpPr>
+      <p:grpSpPr>
+        <a:xfrm>
+          <a:off x="0" y="0"/>
+          <a:ext cx="0" cy="0"/>
+          <a:chOff x="0" y="0"/>
+          <a:chExt cx="0" cy="0"/>
+        </a:xfrm>
+      </p:grpSpPr>
+      <p:sp>
+        <p:nvSpPr>
+          <p:cNvPr id="2" name="Title 1">
+            <a:extLst>
+              <a:ext uri="{FF2B5EF4-FFF2-40B4-BE49-F238E27FC236}">
+                <a16:creationId xmlns:a16="http://schemas.microsoft.com/office/drawing/2014/main" id="{F235205B-0225-4423-88AF-DA1620D6E9F7}"/>
+              </a:ext>
+            </a:extLst>
+          </p:cNvPr>
+          <p:cNvSpPr>
+            <a:spLocks noGrp="1"/>
+          </p:cNvSpPr>
+          <p:nvPr>
+            <p:ph type="title"/>
+          </p:nvPr>
+        </p:nvSpPr>
+        <p:spPr/>
+        <p:txBody>
+          <a:bodyPr/>
+          <a:lstStyle/>
+          <a:p>
+            <a:r>
+              <a:rPr lang="en-US" dirty="0"/>
+              <a:t>Correlation Comparison</a:t>
+            </a:r>
+          </a:p>
+        </p:txBody>
+      </p:sp>
+      <p:sp>
+        <p:nvSpPr>
+          <p:cNvPr id="3" name="Text Placeholder 2">
+            <a:extLst>
+              <a:ext uri="{FF2B5EF4-FFF2-40B4-BE49-F238E27FC236}">
+                <a16:creationId xmlns:a16="http://schemas.microsoft.com/office/drawing/2014/main" id="{A5B54948-0BC2-4E73-AC3E-42C9DEA0BAA3}"/>
+              </a:ext>
+            </a:extLst>
+          </p:cNvPr>
+          <p:cNvSpPr>
+            <a:spLocks noGrp="1"/>
+          </p:cNvSpPr>
+          <p:nvPr>
+            <p:ph type="body" idx="1"/>
+          </p:nvPr>
+        </p:nvSpPr>
+        <p:spPr/>
+        <p:txBody>
+          <a:bodyPr/>
+          <a:lstStyle/>
+          <a:p>
+            <a:r>
+              <a:rPr lang="en-US" dirty="0"/>
+              <a:t>Top 100</a:t>
+            </a:r>
+          </a:p>
+        </p:txBody>
+      </p:sp>
+      <p:pic>
+        <p:nvPicPr>
+          <p:cNvPr id="8" name="Content Placeholder 7">
+            <a:extLst>
+              <a:ext uri="{FF2B5EF4-FFF2-40B4-BE49-F238E27FC236}">
+                <a16:creationId xmlns:a16="http://schemas.microsoft.com/office/drawing/2014/main" id="{786478D8-09C1-475E-8D57-2EF431F3CBEB}"/>
+              </a:ext>
+            </a:extLst>
+          </p:cNvPr>
+          <p:cNvPicPr>
+            <a:picLocks noGrp="1" noChangeAspect="1"/>
+          </p:cNvPicPr>
+          <p:nvPr>
+            <p:ph sz="half" idx="2"/>
+          </p:nvPr>
+        </p:nvPicPr>
+        <p:blipFill>
+          <a:blip r:embed="rId2">
+            <a:extLst>
+              <a:ext uri="{28A0092B-C50C-407E-A947-70E740481C1C}">
+                <a14:useLocalDpi xmlns:a14="http://schemas.microsoft.com/office/drawing/2010/main" val="0"/>
+              </a:ext>
+            </a:extLst>
+          </a:blip>
+          <a:stretch>
+            <a:fillRect/>
+          </a:stretch>
+        </p:blipFill>
+        <p:spPr>
+          <a:xfrm>
+            <a:off x="346686" y="2553200"/>
+            <a:ext cx="5548502" cy="1898483"/>
+          </a:xfrm>
+        </p:spPr>
+      </p:pic>
+      <p:sp>
+        <p:nvSpPr>
+          <p:cNvPr id="5" name="Text Placeholder 4">
+            <a:extLst>
+              <a:ext uri="{FF2B5EF4-FFF2-40B4-BE49-F238E27FC236}">
+                <a16:creationId xmlns:a16="http://schemas.microsoft.com/office/drawing/2014/main" id="{8FB0CB89-C4C0-4E8F-944D-D8FC68D68BF1}"/>
+              </a:ext>
+            </a:extLst>
+          </p:cNvPr>
+          <p:cNvSpPr>
+            <a:spLocks noGrp="1"/>
+          </p:cNvSpPr>
+          <p:nvPr>
+            <p:ph type="body" sz="quarter" idx="3"/>
+          </p:nvPr>
+        </p:nvSpPr>
+        <p:spPr/>
+        <p:txBody>
+          <a:bodyPr/>
+          <a:lstStyle/>
+          <a:p>
+            <a:r>
+              <a:rPr lang="en-US" dirty="0"/>
+              <a:t>Middle</a:t>
+            </a:r>
+          </a:p>
+        </p:txBody>
+      </p:sp>
+      <p:pic>
+        <p:nvPicPr>
+          <p:cNvPr id="10" name="Content Placeholder 9">
+            <a:extLst>
+              <a:ext uri="{FF2B5EF4-FFF2-40B4-BE49-F238E27FC236}">
+                <a16:creationId xmlns:a16="http://schemas.microsoft.com/office/drawing/2014/main" id="{78D135CA-1156-487B-8D0E-F734D2CDC36C}"/>
+              </a:ext>
+            </a:extLst>
+          </p:cNvPr>
+          <p:cNvPicPr>
+            <a:picLocks noGrp="1" noChangeAspect="1"/>
+          </p:cNvPicPr>
+          <p:nvPr>
+            <p:ph sz="quarter" idx="4"/>
+          </p:nvPr>
+        </p:nvPicPr>
+        <p:blipFill>
+          <a:blip r:embed="rId3">
+            <a:extLst>
+              <a:ext uri="{28A0092B-C50C-407E-A947-70E740481C1C}">
+                <a14:useLocalDpi xmlns:a14="http://schemas.microsoft.com/office/drawing/2010/main" val="0"/>
+              </a:ext>
+            </a:extLst>
+          </a:blip>
+          <a:stretch>
+            <a:fillRect/>
+          </a:stretch>
+        </p:blipFill>
+        <p:spPr>
+          <a:xfrm>
+            <a:off x="6339305" y="2505075"/>
+            <a:ext cx="5506009" cy="1946608"/>
+          </a:xfrm>
+        </p:spPr>
+      </p:pic>
+    </p:spTree>
+    <p:extLst>
+      <p:ext uri="{BB962C8B-B14F-4D97-AF65-F5344CB8AC3E}">
+        <p14:creationId xmlns:p14="http://schemas.microsoft.com/office/powerpoint/2010/main" val="2802300090"/>
       </p:ext>
     </p:extLst>
   </p:cSld>
@@ -4653,7 +5046,7 @@
           <a:p>
             <a:pPr algn="r"/>
             <a:r>
-              <a:rPr lang="en-US">
+              <a:rPr lang="en-US" dirty="0">
                 <a:solidFill>
                   <a:schemeClr val="accent1"/>
                 </a:solidFill>
@@ -4747,51 +5140,51 @@
           <a:lstStyle/>
           <a:p>
             <a:r>
-              <a:rPr lang="en-US" sz="2200"/>
+              <a:rPr lang="en-US" sz="2200" dirty="0"/>
               <a:t>The companies on this list come from 60 countries and collectively account for $39.1 trillion in sales, $3.2 trillion in profit, $189 trillion in assets and $56.8 trillion in market value.</a:t>
             </a:r>
           </a:p>
           <a:p>
-            <a:endParaRPr lang="en-US" sz="2200"/>
+            <a:endParaRPr lang="en-US" sz="2200" dirty="0"/>
           </a:p>
           <a:p>
             <a:pPr marL="0" indent="0">
               <a:buNone/>
             </a:pPr>
             <a:r>
-              <a:rPr lang="en-US" sz="2200"/>
+              <a:rPr lang="en-US" sz="2200" dirty="0"/>
               <a:t>My goal is to :</a:t>
             </a:r>
           </a:p>
           <a:p>
             <a:r>
-              <a:rPr lang="en-US" sz="2200"/>
+              <a:rPr lang="en-US" sz="2200" dirty="0"/>
               <a:t>Illustrate the distribution of these companies across these countries</a:t>
             </a:r>
           </a:p>
           <a:p>
             <a:r>
-              <a:rPr lang="en-US" sz="2200"/>
+              <a:rPr lang="en-US" sz="2200" dirty="0"/>
               <a:t>Find the most prevalent industries</a:t>
             </a:r>
           </a:p>
           <a:p>
             <a:r>
-              <a:rPr lang="en-US" sz="2200"/>
+              <a:rPr lang="en-US" sz="2200" dirty="0"/>
               <a:t>Find the year which yielded the most of these companies</a:t>
             </a:r>
           </a:p>
           <a:p>
             <a:r>
-              <a:rPr lang="en-US" sz="2200"/>
-              <a:t>Illustrate the relationship between sales, profit, assets, and market value</a:t>
-            </a:r>
-          </a:p>
-          <a:p>
-            <a:endParaRPr lang="en-US" sz="2200"/>
-          </a:p>
-          <a:p>
-            <a:endParaRPr lang="en-US" sz="2200"/>
+              <a:rPr lang="en-US" sz="2200" dirty="0"/>
+              <a:t>Explore the relationship between sales, profit, assets, and market value</a:t>
+            </a:r>
+          </a:p>
+          <a:p>
+            <a:endParaRPr lang="en-US" sz="2200" dirty="0"/>
+          </a:p>
+          <a:p>
+            <a:endParaRPr lang="en-US" sz="2200" dirty="0"/>
           </a:p>
         </p:txBody>
       </p:sp>
@@ -5020,8 +5413,8 @@
         </p:blipFill>
         <p:spPr>
           <a:xfrm>
-            <a:off x="2439892" y="2426818"/>
-            <a:ext cx="1239267" cy="3997637"/>
+            <a:off x="2077374" y="2426818"/>
+            <a:ext cx="1601785" cy="4062759"/>
           </a:xfrm>
           <a:prstGeom prst="rect">
             <a:avLst/>
@@ -5109,7 +5502,7 @@
         <p:spPr>
           <a:xfrm>
             <a:off x="6445073" y="2850240"/>
-            <a:ext cx="5455917" cy="3150792"/>
+            <a:ext cx="5455917" cy="3506172"/>
           </a:xfrm>
           <a:prstGeom prst="rect">
             <a:avLst/>
